--- a/室内蓝牙定位-基于RSSI测距.pptx
+++ b/室内蓝牙定位-基于RSSI测距.pptx
@@ -269,7 +269,7 @@
           <a:p>
             <a:fld id="{82F288E0-7875-42C4-84C8-98DBBD3BF4D2}" type="datetimeFigureOut">
               <a:rPr lang="zh-CN" altLang="en-US" smtClean="0"/>
-              <a:t>2021.9.2</a:t>
+              <a:t>2021.11.3</a:t>
             </a:fld>
             <a:endParaRPr lang="zh-CN" altLang="en-US"/>
           </a:p>
@@ -500,7 +500,7 @@
           <a:p>
             <a:fld id="{82F288E0-7875-42C4-84C8-98DBBD3BF4D2}" type="datetimeFigureOut">
               <a:rPr lang="zh-CN" altLang="en-US" smtClean="0"/>
-              <a:t>2021.9.2</a:t>
+              <a:t>2021.11.3</a:t>
             </a:fld>
             <a:endParaRPr lang="zh-CN" altLang="en-US"/>
           </a:p>
@@ -929,7 +929,7 @@
           <a:p>
             <a:fld id="{82F288E0-7875-42C4-84C8-98DBBD3BF4D2}" type="datetimeFigureOut">
               <a:rPr lang="zh-CN" altLang="en-US" smtClean="0"/>
-              <a:t>2021.9.2</a:t>
+              <a:t>2021.11.3</a:t>
             </a:fld>
             <a:endParaRPr lang="zh-CN" altLang="en-US"/>
           </a:p>
@@ -1135,7 +1135,7 @@
           <a:p>
             <a:fld id="{82F288E0-7875-42C4-84C8-98DBBD3BF4D2}" type="datetimeFigureOut">
               <a:rPr lang="zh-CN" altLang="en-US" smtClean="0"/>
-              <a:t>2021.9.2</a:t>
+              <a:t>2021.11.3</a:t>
             </a:fld>
             <a:endParaRPr lang="zh-CN" altLang="en-US"/>
           </a:p>
@@ -1987,7 +1987,7 @@
           <a:p>
             <a:fld id="{82F288E0-7875-42C4-84C8-98DBBD3BF4D2}" type="datetimeFigureOut">
               <a:rPr lang="zh-CN" altLang="en-US" smtClean="0"/>
-              <a:t>2021.9.2</a:t>
+              <a:t>2021.11.3</a:t>
             </a:fld>
             <a:endParaRPr lang="zh-CN" altLang="en-US"/>
           </a:p>
@@ -2903,7 +2903,7 @@
           <a:p>
             <a:fld id="{82F288E0-7875-42C4-84C8-98DBBD3BF4D2}" type="datetimeFigureOut">
               <a:rPr lang="zh-CN" altLang="en-US" smtClean="0"/>
-              <a:t>2021.9.2</a:t>
+              <a:t>2021.11.3</a:t>
             </a:fld>
             <a:endParaRPr lang="zh-CN" altLang="en-US"/>
           </a:p>

--- a/室内蓝牙定位-基于RSSI测距.pptx
+++ b/室内蓝牙定位-基于RSSI测距.pptx
@@ -269,7 +269,7 @@
           <a:p>
             <a:fld id="{82F288E0-7875-42C4-84C8-98DBBD3BF4D2}" type="datetimeFigureOut">
               <a:rPr lang="zh-CN" altLang="en-US" smtClean="0"/>
-              <a:t>2021.11.3</a:t>
+              <a:t>2021.11.4</a:t>
             </a:fld>
             <a:endParaRPr lang="zh-CN" altLang="en-US"/>
           </a:p>
@@ -500,7 +500,7 @@
           <a:p>
             <a:fld id="{82F288E0-7875-42C4-84C8-98DBBD3BF4D2}" type="datetimeFigureOut">
               <a:rPr lang="zh-CN" altLang="en-US" smtClean="0"/>
-              <a:t>2021.11.3</a:t>
+              <a:t>2021.11.4</a:t>
             </a:fld>
             <a:endParaRPr lang="zh-CN" altLang="en-US"/>
           </a:p>
@@ -929,7 +929,7 @@
           <a:p>
             <a:fld id="{82F288E0-7875-42C4-84C8-98DBBD3BF4D2}" type="datetimeFigureOut">
               <a:rPr lang="zh-CN" altLang="en-US" smtClean="0"/>
-              <a:t>2021.11.3</a:t>
+              <a:t>2021.11.4</a:t>
             </a:fld>
             <a:endParaRPr lang="zh-CN" altLang="en-US"/>
           </a:p>
@@ -1135,7 +1135,7 @@
           <a:p>
             <a:fld id="{82F288E0-7875-42C4-84C8-98DBBD3BF4D2}" type="datetimeFigureOut">
               <a:rPr lang="zh-CN" altLang="en-US" smtClean="0"/>
-              <a:t>2021.11.3</a:t>
+              <a:t>2021.11.4</a:t>
             </a:fld>
             <a:endParaRPr lang="zh-CN" altLang="en-US"/>
           </a:p>
@@ -1987,7 +1987,7 @@
           <a:p>
             <a:fld id="{82F288E0-7875-42C4-84C8-98DBBD3BF4D2}" type="datetimeFigureOut">
               <a:rPr lang="zh-CN" altLang="en-US" smtClean="0"/>
-              <a:t>2021.11.3</a:t>
+              <a:t>2021.11.4</a:t>
             </a:fld>
             <a:endParaRPr lang="zh-CN" altLang="en-US"/>
           </a:p>
@@ -2903,7 +2903,7 @@
           <a:p>
             <a:fld id="{82F288E0-7875-42C4-84C8-98DBBD3BF4D2}" type="datetimeFigureOut">
               <a:rPr lang="zh-CN" altLang="en-US" smtClean="0"/>
-              <a:t>2021.11.3</a:t>
+              <a:t>2021.11.4</a:t>
             </a:fld>
             <a:endParaRPr lang="zh-CN" altLang="en-US"/>
           </a:p>
@@ -13719,7 +13719,9 @@
             <a:avLst/>
           </a:prstGeom>
           <a:solidFill>
-            <a:schemeClr val="accent3"/>
+            <a:schemeClr val="accent5">
+              <a:lumMod val="75000"/>
+            </a:schemeClr>
           </a:solidFill>
           <a:ln>
             <a:noFill/>
@@ -13772,7 +13774,10 @@
             <a:avLst/>
           </a:prstGeom>
           <a:solidFill>
-            <a:schemeClr val="accent3"/>
+            <a:schemeClr val="tx1">
+              <a:lumMod val="75000"/>
+              <a:lumOff val="25000"/>
+            </a:schemeClr>
           </a:solidFill>
           <a:ln>
             <a:noFill/>
@@ -13824,6 +13829,11 @@
           <a:prstGeom prst="rect">
             <a:avLst/>
           </a:prstGeom>
+          <a:solidFill>
+            <a:schemeClr val="accent4">
+              <a:lumMod val="75000"/>
+            </a:schemeClr>
+          </a:solidFill>
           <a:ln/>
         </p:spPr>
         <p:style>
@@ -13877,7 +13887,9 @@
             <a:avLst/>
           </a:prstGeom>
           <a:solidFill>
-            <a:schemeClr val="accent3"/>
+            <a:schemeClr val="accent2">
+              <a:lumMod val="50000"/>
+            </a:schemeClr>
           </a:solidFill>
           <a:ln>
             <a:noFill/>
@@ -14075,7 +14087,10 @@
             <a:avLst/>
           </a:prstGeom>
           <a:solidFill>
-            <a:schemeClr val="accent3"/>
+            <a:schemeClr val="tx2">
+              <a:lumMod val="40000"/>
+              <a:lumOff val="60000"/>
+            </a:schemeClr>
           </a:solidFill>
           <a:ln>
             <a:noFill/>
@@ -14181,7 +14196,10 @@
             <a:avLst/>
           </a:prstGeom>
           <a:solidFill>
-            <a:schemeClr val="accent3"/>
+            <a:schemeClr val="accent6">
+              <a:lumMod val="60000"/>
+              <a:lumOff val="40000"/>
+            </a:schemeClr>
           </a:solidFill>
           <a:ln>
             <a:noFill/>
@@ -14235,7 +14253,10 @@
             <a:avLst/>
           </a:prstGeom>
           <a:solidFill>
-            <a:schemeClr val="accent3"/>
+            <a:schemeClr val="accent5">
+              <a:lumMod val="40000"/>
+              <a:lumOff val="60000"/>
+            </a:schemeClr>
           </a:solidFill>
           <a:ln>
             <a:noFill/>
@@ -14301,7 +14322,7 @@
             <a:avLst/>
           </a:prstGeom>
           <a:solidFill>
-            <a:schemeClr val="accent3"/>
+            <a:srgbClr val="FFC000"/>
           </a:solidFill>
           <a:ln>
             <a:noFill/>
@@ -15020,53 +15041,70 @@
           </a:graphicData>
         </a:graphic>
       </p:graphicFrame>
-      <p:pic>
-        <p:nvPicPr>
-          <p:cNvPr id="3074" name="Picture 2">
+      <p:graphicFrame>
+        <p:nvGraphicFramePr>
+          <p:cNvPr id="3" name="对象 2">
+            <a:hlinkClick r:id="" action="ppaction://ole?verb=0"/>
             <a:extLst>
               <a:ext uri="{FF2B5EF4-FFF2-40B4-BE49-F238E27FC236}">
-                <a16:creationId xmlns:a16="http://schemas.microsoft.com/office/drawing/2014/main" id="{376264AF-BEA0-4834-86D6-99A74093D108}"/>
+                <a16:creationId xmlns:a16="http://schemas.microsoft.com/office/drawing/2014/main" id="{76BF103A-DBD6-4191-AA91-06720DB0EE35}"/>
               </a:ext>
             </a:extLst>
           </p:cNvPr>
-          <p:cNvPicPr>
-            <a:picLocks noChangeAspect="1" noChangeArrowheads="1"/>
-          </p:cNvPicPr>
-          <p:nvPr/>
-        </p:nvPicPr>
-        <p:blipFill>
-          <a:blip r:embed="rId2">
-            <a:extLst>
-              <a:ext uri="{28A0092B-C50C-407E-A947-70E740481C1C}">
-                <a14:useLocalDpi xmlns:a14="http://schemas.microsoft.com/office/drawing/2010/main" val="0"/>
-              </a:ext>
-            </a:extLst>
-          </a:blip>
-          <a:srcRect/>
-          <a:stretch>
-            <a:fillRect/>
-          </a:stretch>
-        </p:blipFill>
-        <p:spPr bwMode="auto">
-          <a:xfrm>
-            <a:off x="5718256" y="1204685"/>
-            <a:ext cx="6402562" cy="4905830"/>
-          </a:xfrm>
-          <a:prstGeom prst="rect">
-            <a:avLst/>
-          </a:prstGeom>
-          <a:noFill/>
-          <a:extLst>
-            <a:ext uri="{909E8E84-426E-40DD-AFC4-6F175D3DCCD1}">
-              <a14:hiddenFill xmlns:a14="http://schemas.microsoft.com/office/drawing/2010/main">
-                <a:solidFill>
-                  <a:srgbClr val="FFFFFF"/>
-                </a:solidFill>
-              </a14:hiddenFill>
-            </a:ext>
-          </a:extLst>
-        </p:spPr>
-      </p:pic>
+          <p:cNvGraphicFramePr>
+            <a:graphicFrameLocks noChangeAspect="1"/>
+          </p:cNvGraphicFramePr>
+          <p:nvPr>
+            <p:extLst>
+              <p:ext uri="{D42A27DB-BD31-4B8C-83A1-F6EECF244321}">
+                <p14:modId xmlns:p14="http://schemas.microsoft.com/office/powerpoint/2010/main" val="4263469787"/>
+              </p:ext>
+            </p:extLst>
+          </p:nvPr>
+        </p:nvGraphicFramePr>
+        <p:xfrm>
+          <a:off x="5872542" y="1559525"/>
+          <a:ext cx="6238178" cy="4426926"/>
+        </p:xfrm>
+        <a:graphic>
+          <a:graphicData uri="http://schemas.openxmlformats.org/presentationml/2006/ole">
+            <mc:AlternateContent xmlns:mc="http://schemas.openxmlformats.org/markup-compatibility/2006">
+              <mc:Choice xmlns:v="urn:schemas-microsoft-com:vml" Requires="v">
+                <p:oleObj spid="_x0000_s1051" name="Presentation" r:id="rId3" imgW="9706317" imgH="5459053" progId="PowerPoint.Show.8">
+                  <p:embed/>
+                </p:oleObj>
+              </mc:Choice>
+              <mc:Fallback>
+                <p:oleObj name="Presentation" r:id="rId3" imgW="9706317" imgH="5459053" progId="PowerPoint.Show.8">
+                  <p:embed/>
+                  <p:pic>
+                    <p:nvPicPr>
+                      <p:cNvPr id="0" name=""/>
+                      <p:cNvPicPr/>
+                      <p:nvPr/>
+                    </p:nvPicPr>
+                    <p:blipFill>
+                      <a:blip r:embed="rId4"/>
+                      <a:stretch>
+                        <a:fillRect/>
+                      </a:stretch>
+                    </p:blipFill>
+                    <p:spPr>
+                      <a:xfrm>
+                        <a:off x="5872542" y="1559525"/>
+                        <a:ext cx="6238178" cy="4426926"/>
+                      </a:xfrm>
+                      <a:prstGeom prst="rect">
+                        <a:avLst/>
+                      </a:prstGeom>
+                    </p:spPr>
+                  </p:pic>
+                </p:oleObj>
+              </mc:Fallback>
+            </mc:AlternateContent>
+          </a:graphicData>
+        </a:graphic>
+      </p:graphicFrame>
     </p:spTree>
     <p:extLst>
       <p:ext uri="{BB962C8B-B14F-4D97-AF65-F5344CB8AC3E}">
@@ -17452,83 +17490,6 @@
           </a:p>
         </p:txBody>
       </p:sp>
-      <p:sp>
-        <p:nvSpPr>
-          <p:cNvPr id="62" name="文本框 61">
-            <a:extLst>
-              <a:ext uri="{FF2B5EF4-FFF2-40B4-BE49-F238E27FC236}">
-                <a16:creationId xmlns:a16="http://schemas.microsoft.com/office/drawing/2014/main" id="{C1D62A9C-1944-4F8C-BE42-D3D83305AB3F}"/>
-              </a:ext>
-            </a:extLst>
-          </p:cNvPr>
-          <p:cNvSpPr txBox="1"/>
-          <p:nvPr/>
-        </p:nvSpPr>
-        <p:spPr>
-          <a:xfrm>
-            <a:off x="553720" y="66040"/>
-            <a:ext cx="6479540" cy="583565"/>
-          </a:xfrm>
-          <a:prstGeom prst="rect">
-            <a:avLst/>
-          </a:prstGeom>
-          <a:noFill/>
-        </p:spPr>
-        <p:txBody>
-          <a:bodyPr wrap="square" rtlCol="0" anchor="t">
-            <a:spAutoFit/>
-          </a:bodyPr>
-          <a:lstStyle/>
-          <a:p>
-            <a:pPr algn="l"/>
-            <a:r>
-              <a:rPr lang="zh-CN" altLang="en-US" sz="3200" b="1" dirty="0">
-                <a:solidFill>
-                  <a:schemeClr val="bg1"/>
-                </a:solidFill>
-                <a:latin typeface="微软雅黑" panose="020B0703020204020201" charset="-122"/>
-                <a:ea typeface="微软雅黑" panose="020B0703020204020201" charset="-122"/>
-                <a:cs typeface="微软雅黑" panose="020B0703020204020201" charset="-122"/>
-                <a:sym typeface="+mn-ea"/>
-              </a:rPr>
-              <a:t>基于</a:t>
-            </a:r>
-            <a:r>
-              <a:rPr lang="en-US" altLang="zh-CN" sz="3200" b="1" dirty="0">
-                <a:solidFill>
-                  <a:schemeClr val="bg1"/>
-                </a:solidFill>
-                <a:latin typeface="微软雅黑" panose="020B0703020204020201" charset="-122"/>
-                <a:ea typeface="微软雅黑" panose="020B0703020204020201" charset="-122"/>
-                <a:cs typeface="微软雅黑" panose="020B0703020204020201" charset="-122"/>
-                <a:sym typeface="+mn-ea"/>
-              </a:rPr>
-              <a:t>RSSI</a:t>
-            </a:r>
-            <a:r>
-              <a:rPr lang="zh-CN" altLang="en-US" sz="3200" b="1" dirty="0">
-                <a:solidFill>
-                  <a:schemeClr val="bg1"/>
-                </a:solidFill>
-                <a:latin typeface="微软雅黑" panose="020B0703020204020201" charset="-122"/>
-                <a:ea typeface="微软雅黑" panose="020B0703020204020201" charset="-122"/>
-                <a:cs typeface="微软雅黑" panose="020B0703020204020201" charset="-122"/>
-                <a:sym typeface="+mn-ea"/>
-              </a:rPr>
-              <a:t>蓝牙定位</a:t>
-            </a:r>
-            <a:endParaRPr lang="en-US" altLang="en-US" sz="3200" b="1" dirty="0">
-              <a:solidFill>
-                <a:schemeClr val="bg1"/>
-              </a:solidFill>
-              <a:latin typeface="微软雅黑" panose="020B0703020204020201" charset="-122"/>
-              <a:ea typeface="微软雅黑" panose="020B0703020204020201" charset="-122"/>
-              <a:cs typeface="微软雅黑" panose="020B0703020204020201" charset="-122"/>
-              <a:sym typeface="+mn-ea"/>
-            </a:endParaRPr>
-          </a:p>
-        </p:txBody>
-      </p:sp>
       <p:pic>
         <p:nvPicPr>
           <p:cNvPr id="2052" name="Picture 4" descr="查看源图像">
@@ -18816,6 +18777,83 @@
           </a:fontRef>
         </p:style>
       </p:cxnSp>
+      <p:sp>
+        <p:nvSpPr>
+          <p:cNvPr id="74" name="文本框 73">
+            <a:extLst>
+              <a:ext uri="{FF2B5EF4-FFF2-40B4-BE49-F238E27FC236}">
+                <a16:creationId xmlns:a16="http://schemas.microsoft.com/office/drawing/2014/main" id="{675F79A4-E0E5-4E37-8B3E-F26AFB09DDB3}"/>
+              </a:ext>
+            </a:extLst>
+          </p:cNvPr>
+          <p:cNvSpPr txBox="1"/>
+          <p:nvPr/>
+        </p:nvSpPr>
+        <p:spPr>
+          <a:xfrm>
+            <a:off x="553720" y="66040"/>
+            <a:ext cx="6479540" cy="583565"/>
+          </a:xfrm>
+          <a:prstGeom prst="rect">
+            <a:avLst/>
+          </a:prstGeom>
+          <a:noFill/>
+        </p:spPr>
+        <p:txBody>
+          <a:bodyPr wrap="square" rtlCol="0" anchor="t">
+            <a:spAutoFit/>
+          </a:bodyPr>
+          <a:lstStyle/>
+          <a:p>
+            <a:pPr algn="l"/>
+            <a:r>
+              <a:rPr lang="zh-CN" altLang="en-US" sz="3200" b="1" dirty="0">
+                <a:solidFill>
+                  <a:schemeClr val="bg1"/>
+                </a:solidFill>
+                <a:latin typeface="微软雅黑" panose="020B0703020204020201" charset="-122"/>
+                <a:ea typeface="微软雅黑" panose="020B0703020204020201" charset="-122"/>
+                <a:cs typeface="微软雅黑" panose="020B0703020204020201" charset="-122"/>
+                <a:sym typeface="+mn-ea"/>
+              </a:rPr>
+              <a:t>基于蓝牙</a:t>
+            </a:r>
+            <a:r>
+              <a:rPr lang="en-US" altLang="zh-CN" sz="3200" b="1" dirty="0">
+                <a:solidFill>
+                  <a:schemeClr val="bg1"/>
+                </a:solidFill>
+                <a:latin typeface="微软雅黑" panose="020B0703020204020201" charset="-122"/>
+                <a:ea typeface="微软雅黑" panose="020B0703020204020201" charset="-122"/>
+                <a:cs typeface="微软雅黑" panose="020B0703020204020201" charset="-122"/>
+                <a:sym typeface="+mn-ea"/>
+              </a:rPr>
+              <a:t>RSSI</a:t>
+            </a:r>
+            <a:r>
+              <a:rPr lang="zh-CN" altLang="en-US" sz="3200" b="1" dirty="0">
+                <a:solidFill>
+                  <a:schemeClr val="bg1"/>
+                </a:solidFill>
+                <a:latin typeface="微软雅黑" panose="020B0703020204020201" charset="-122"/>
+                <a:ea typeface="微软雅黑" panose="020B0703020204020201" charset="-122"/>
+                <a:cs typeface="微软雅黑" panose="020B0703020204020201" charset="-122"/>
+                <a:sym typeface="+mn-ea"/>
+              </a:rPr>
+              <a:t>测距定位</a:t>
+            </a:r>
+            <a:endParaRPr lang="en-US" altLang="en-US" sz="3200" b="1" dirty="0">
+              <a:solidFill>
+                <a:schemeClr val="bg1"/>
+              </a:solidFill>
+              <a:latin typeface="微软雅黑" panose="020B0703020204020201" charset="-122"/>
+              <a:ea typeface="微软雅黑" panose="020B0703020204020201" charset="-122"/>
+              <a:cs typeface="微软雅黑" panose="020B0703020204020201" charset="-122"/>
+              <a:sym typeface="+mn-ea"/>
+            </a:endParaRPr>
+          </a:p>
+        </p:txBody>
+      </p:sp>
     </p:spTree>
     <p:extLst>
       <p:ext uri="{BB962C8B-B14F-4D97-AF65-F5344CB8AC3E}">
